--- a/ME EN 6960_Group4_Exp3_Nick_v2.pptx
+++ b/ME EN 6960_Group4_Exp3_Nick_v2.pptx
@@ -10,13 +10,13 @@
   <p:sldIdLst>
     <p:sldId id="261" r:id="rId2"/>
     <p:sldId id="264" r:id="rId3"/>
-    <p:sldId id="265" r:id="rId4"/>
+    <p:sldId id="279" r:id="rId4"/>
     <p:sldId id="270" r:id="rId5"/>
     <p:sldId id="267" r:id="rId6"/>
     <p:sldId id="269" r:id="rId7"/>
     <p:sldId id="271" r:id="rId8"/>
     <p:sldId id="278" r:id="rId9"/>
-    <p:sldId id="273" r:id="rId10"/>
+    <p:sldId id="280" r:id="rId10"/>
     <p:sldId id="274" r:id="rId11"/>
     <p:sldId id="275" r:id="rId12"/>
     <p:sldId id="276" r:id="rId13"/>
@@ -5325,35 +5325,6 @@
       </p:sp>
       <p:sp>
         <p:nvSpPr>
-          <p:cNvPr id="16" name="TextBox 15"/>
-          <p:cNvSpPr txBox="1"/>
-          <p:nvPr/>
-        </p:nvSpPr>
-        <p:spPr>
-          <a:xfrm>
-            <a:off x="85899" y="6099001"/>
-            <a:ext cx="1816395" cy="307777"/>
-          </a:xfrm>
-          <a:prstGeom prst="rect">
-            <a:avLst/>
-          </a:prstGeom>
-          <a:noFill/>
-        </p:spPr>
-        <p:txBody>
-          <a:bodyPr wrap="none" rtlCol="0">
-            <a:spAutoFit/>
-          </a:bodyPr>
-          <a:lstStyle/>
-          <a:p>
-            <a:r>
-              <a:rPr lang="en-US" sz="1400" dirty="0"/>
-              <a:t>[1] Reference Text Size</a:t>
-            </a:r>
-          </a:p>
-        </p:txBody>
-      </p:sp>
-      <p:sp>
-        <p:nvSpPr>
           <p:cNvPr id="17" name="TextBox 16"/>
           <p:cNvSpPr txBox="1"/>
           <p:nvPr/>
@@ -5394,7 +5365,7 @@
         <p:spPr>
           <a:xfrm>
             <a:off x="448887" y="1031125"/>
-            <a:ext cx="8254539" cy="4647426"/>
+            <a:ext cx="8254539" cy="5816977"/>
           </a:xfrm>
           <a:prstGeom prst="rect">
             <a:avLst/>
@@ -5425,15 +5396,7 @@
             </a:r>
             <a:r>
               <a:rPr lang="en-US" sz="1400" dirty="0"/>
-              <a:t>, X. Fan, C. Lu, H. Yang, X. Shu, and Z. Wang, \Quasi-static and dynamic experimental studies on the tensile strength and failure pattern of concrete and mortar discs," in </a:t>
-            </a:r>
-            <a:r>
-              <a:rPr lang="en-US" sz="1400" dirty="0" err="1"/>
-              <a:t>Scientic</a:t>
-            </a:r>
-            <a:r>
-              <a:rPr lang="en-US" sz="1400" dirty="0"/>
-              <a:t> Reports, 2017.</a:t>
+              <a:t>, X. Fan, C. Lu, H. Yang, X. Shu, and Z. Wang, \Quasi-static and dynamic experimental studies on the tensile strength and failure pattern of concrete and mortar discs," in Scientific Reports, 2017.</a:t>
             </a:r>
           </a:p>
           <a:p>
@@ -5450,32 +5413,16 @@
             </a:r>
             <a:r>
               <a:rPr lang="en-US" sz="1400" dirty="0"/>
-              <a:t>, “An investigation of the mechanical properties of materials at very high stain rates of </a:t>
-            </a:r>
-            <a:r>
-              <a:rPr lang="en-US" sz="1400" dirty="0" err="1"/>
-              <a:t>loadin</a:t>
-            </a:r>
+              <a:t>, “An investigation of the mechanical properties of materials at very high stain rates of loading,” Proc. Royal Soc., 1949.</a:t>
+            </a:r>
+          </a:p>
+          <a:p>
+            <a:endParaRPr lang="en-US" sz="1400" dirty="0"/>
+          </a:p>
+          <a:p>
             <a:r>
               <a:rPr lang="en-US" sz="1400" dirty="0"/>
-              <a:t>,” Proc. Royal Soc., 1949</a:t>
-            </a:r>
-            <a:r>
-              <a:rPr lang="en-US" sz="1400" dirty="0" smtClean="0"/>
-              <a:t>.</a:t>
-            </a:r>
-          </a:p>
-          <a:p>
-            <a:endParaRPr lang="en-US" sz="1400" dirty="0" smtClean="0"/>
-          </a:p>
-          <a:p>
-            <a:r>
-              <a:rPr lang="en-US" sz="1400" dirty="0" smtClean="0"/>
-              <a:t>[3] </a:t>
-            </a:r>
-            <a:r>
-              <a:rPr lang="en-US" sz="1400" dirty="0"/>
-              <a:t>B. A. Gama, S. L. </a:t>
+              <a:t>[3] B. A. Gama, S. L. </a:t>
             </a:r>
             <a:r>
               <a:rPr lang="en-US" sz="1400" dirty="0" err="1"/>
@@ -5485,93 +5432,32 @@
               <a:rPr lang="en-US" sz="1400" dirty="0"/>
               <a:t>, and J. W. G. Jr., “Hopkinson bar experimental technique: A critical review,” Applied Mechanics, 2004.</a:t>
             </a:r>
+          </a:p>
+          <a:p>
             <a:endParaRPr lang="en-US" sz="1400" dirty="0"/>
           </a:p>
           <a:p>
-            <a:endParaRPr lang="en-US" sz="1400" dirty="0" smtClean="0"/>
-          </a:p>
-          <a:p>
-            <a:r>
-              <a:rPr lang="en-US" sz="1400" dirty="0" smtClean="0"/>
-              <a:t>[4] </a:t>
-            </a:r>
             <a:r>
               <a:rPr lang="en-US" sz="1400" dirty="0"/>
-              <a:t>Hopkinson B </a:t>
-            </a:r>
-            <a:r>
-              <a:rPr lang="en-US" sz="1400" dirty="0" smtClean="0"/>
-              <a:t> (1914), “A </a:t>
-            </a:r>
+              <a:t>[4] Hopkinson B  (1914), “A method of measuring the pressure produced in the detonation of high explosives or by the impact of bullets,” Philos. Trans. R. Soc. London, Ser. A 213, 437–456.</a:t>
+            </a:r>
+          </a:p>
+          <a:p>
+            <a:endParaRPr lang="en-US" sz="1400" dirty="0"/>
+          </a:p>
+          <a:p>
             <a:r>
               <a:rPr lang="en-US" sz="1400" dirty="0"/>
-              <a:t>method of measuring the pressure produced in the detonation of high explosives or by the impact of bullets</a:t>
-            </a:r>
-            <a:r>
-              <a:rPr lang="en-US" sz="1400" dirty="0" smtClean="0"/>
-              <a:t>,” </a:t>
-            </a:r>
+              <a:t>[5] Davies RM (1948), “A critical study of the Hopkinson pressure bar,” Philos. Trans. R. Soc. London, Ser. A 240(821), 375–457.</a:t>
+            </a:r>
+          </a:p>
+          <a:p>
+            <a:endParaRPr lang="en-US" sz="1400" dirty="0"/>
+          </a:p>
+          <a:p>
             <a:r>
               <a:rPr lang="en-US" sz="1400" dirty="0"/>
-              <a:t>Philos. Trans. R. Soc. London, Ser. A 213, 437–456</a:t>
-            </a:r>
-            <a:r>
-              <a:rPr lang="en-US" sz="1400" dirty="0" smtClean="0"/>
-              <a:t>.</a:t>
-            </a:r>
-          </a:p>
-          <a:p>
-            <a:endParaRPr lang="en-US" sz="1400" dirty="0" smtClean="0"/>
-          </a:p>
-          <a:p>
-            <a:r>
-              <a:rPr lang="en-US" sz="1400" dirty="0" smtClean="0"/>
-              <a:t>[5] </a:t>
-            </a:r>
-            <a:r>
-              <a:rPr lang="en-US" sz="1400" dirty="0"/>
-              <a:t>Davies RM </a:t>
-            </a:r>
-            <a:r>
-              <a:rPr lang="en-US" sz="1400" dirty="0" smtClean="0"/>
-              <a:t>(1948), “A </a:t>
-            </a:r>
-            <a:r>
-              <a:rPr lang="en-US" sz="1400" dirty="0"/>
-              <a:t>critical study of the Hopkinson pressure bar</a:t>
-            </a:r>
-            <a:r>
-              <a:rPr lang="en-US" sz="1400" dirty="0" smtClean="0"/>
-              <a:t>,” </a:t>
-            </a:r>
-            <a:r>
-              <a:rPr lang="en-US" sz="1400" dirty="0"/>
-              <a:t>Philos. Trans. R. Soc. London, Ser. A </a:t>
-            </a:r>
-            <a:r>
-              <a:rPr lang="en-US" sz="1400" dirty="0" smtClean="0"/>
-              <a:t>240(821), </a:t>
-            </a:r>
-            <a:r>
-              <a:rPr lang="en-US" sz="1400" dirty="0"/>
-              <a:t>375–457</a:t>
-            </a:r>
-            <a:r>
-              <a:rPr lang="en-US" sz="1400" dirty="0" smtClean="0"/>
-              <a:t>.</a:t>
-            </a:r>
-          </a:p>
-          <a:p>
-            <a:endParaRPr lang="en-US" sz="1400" dirty="0"/>
-          </a:p>
-          <a:p>
-            <a:r>
-              <a:rPr lang="en-US" sz="1400" dirty="0" smtClean="0"/>
-              <a:t>[6] </a:t>
-            </a:r>
-            <a:r>
-              <a:rPr lang="en-US" sz="1400" dirty="0"/>
-              <a:t>D. </a:t>
+              <a:t>[6] D. </a:t>
             </a:r>
             <a:r>
               <a:rPr lang="en-US" sz="1400" dirty="0" err="1"/>
@@ -5579,77 +5465,38 @@
             </a:r>
             <a:r>
               <a:rPr lang="en-US" sz="1400" dirty="0"/>
-              <a:t>, M. J. Forrestal, and W. Chen, </a:t>
-            </a:r>
-            <a:r>
-              <a:rPr lang="en-US" sz="1400" dirty="0" smtClean="0"/>
-              <a:t>“Pulse </a:t>
-            </a:r>
+              <a:t>, M. J. Forrestal, and W. Chen, “Pulse shaping techniques for testing brittle materials with a split Hopkinson pressure bar," Experimental Mechanics, vol. 42, pp. 93(106), 2002.</a:t>
+            </a:r>
+          </a:p>
+          <a:p>
+            <a:endParaRPr lang="en-US" sz="1400" dirty="0"/>
+          </a:p>
+          <a:p>
             <a:r>
               <a:rPr lang="en-US" sz="1400" dirty="0"/>
-              <a:t>shaping techniques for testing brittle materials with a split </a:t>
-            </a:r>
-            <a:r>
-              <a:rPr lang="en-US" sz="1400" dirty="0" smtClean="0"/>
-              <a:t>Hopkinson </a:t>
-            </a:r>
+              <a:t>[7] P. Follansbee and C. Frantz, “Wave propagation in the split Hopkinson pressure bar," Transactions of the ASME, vol. 105, pp. 93{106}, 1983.</a:t>
+            </a:r>
+          </a:p>
+          <a:p>
+            <a:endParaRPr lang="en-US" sz="1400" dirty="0"/>
+          </a:p>
+          <a:p>
             <a:r>
               <a:rPr lang="en-US" sz="1400" dirty="0"/>
-              <a:t>pressure bar," </a:t>
-            </a:r>
-            <a:r>
-              <a:rPr lang="en-US" sz="1400" dirty="0" smtClean="0"/>
-              <a:t>Experimental Mechanics, </a:t>
-            </a:r>
+              <a:t>[8] S. U. Pillai and D. Menon, Reinforced Concrete Design, Third Edition.</a:t>
+            </a:r>
+          </a:p>
+          <a:p>
+            <a:endParaRPr lang="en-US" sz="1400" dirty="0"/>
+          </a:p>
+          <a:p>
             <a:r>
               <a:rPr lang="en-US" sz="1400" dirty="0"/>
-              <a:t>vol. 42, pp. </a:t>
-            </a:r>
-            <a:r>
-              <a:rPr lang="en-US" sz="1400" dirty="0" smtClean="0"/>
-              <a:t>93(106), </a:t>
-            </a:r>
-            <a:r>
-              <a:rPr lang="en-US" sz="1400" dirty="0"/>
-              <a:t>2002.</a:t>
+              <a:t>[9] A. Shukla and J. W. Dally, Experimental Solid Mechanics.</a:t>
             </a:r>
           </a:p>
           <a:p>
             <a:endParaRPr lang="en-US" sz="1400" dirty="0"/>
-          </a:p>
-          <a:p>
-            <a:r>
-              <a:rPr lang="en-US" sz="1400" dirty="0" smtClean="0"/>
-              <a:t>[7] </a:t>
-            </a:r>
-            <a:r>
-              <a:rPr lang="en-US" sz="1400" dirty="0"/>
-              <a:t>P. Follansbee and C. Frantz, </a:t>
-            </a:r>
-            <a:r>
-              <a:rPr lang="en-US" sz="1400" dirty="0" smtClean="0"/>
-              <a:t>“Wave </a:t>
-            </a:r>
-            <a:r>
-              <a:rPr lang="en-US" sz="1400" dirty="0"/>
-              <a:t>propagation in the split </a:t>
-            </a:r>
-            <a:r>
-              <a:rPr lang="en-US" sz="1400" dirty="0" smtClean="0"/>
-              <a:t>Hopkinson </a:t>
-            </a:r>
-            <a:r>
-              <a:rPr lang="en-US" sz="1400" dirty="0"/>
-              <a:t>pressure bar," </a:t>
-            </a:r>
-            <a:r>
-              <a:rPr lang="en-US" sz="1400" dirty="0" smtClean="0"/>
-              <a:t>Transactions </a:t>
-            </a:r>
-            <a:r>
-              <a:rPr lang="en-US" sz="1400" dirty="0"/>
-              <a:t>of the ASME, vol. 105, pp. 93{106, 1983.</a:t>
-            </a:r>
           </a:p>
           <a:p>
             <a:endParaRPr lang="en-US" sz="1600" dirty="0"/>
@@ -6065,8 +5912,12 @@
               <a:t>Failure of concrete is dependent on the loading rate. </a:t>
             </a:r>
             <a:r>
+              <a:rPr lang="en-US" sz="1400" dirty="0"/>
+              <a:t>[1]</a:t>
+            </a:r>
+            <a:r>
               <a:rPr lang="en-US" sz="1600" dirty="0"/>
-              <a:t>[1] </a:t>
+              <a:t> </a:t>
             </a:r>
           </a:p>
           <a:p>
@@ -6635,8 +6486,8 @@
         </p:nvSpPr>
         <p:spPr>
           <a:xfrm>
-            <a:off x="4162425" y="3721945"/>
-            <a:ext cx="3905474" cy="923330"/>
+            <a:off x="4195981" y="2899823"/>
+            <a:ext cx="3905474" cy="646331"/>
           </a:xfrm>
           <a:prstGeom prst="rect">
             <a:avLst/>
@@ -6653,9 +6504,6 @@
               <a:rPr lang="en-US" dirty="0"/>
               <a:t>Brazil Disc Specimen (ASTM D 3967-08):</a:t>
             </a:r>
-          </a:p>
-          <a:p>
-            <a:endParaRPr lang="en-US" dirty="0"/>
           </a:p>
           <a:p>
             <a:endParaRPr lang="en-US" dirty="0"/>
@@ -6782,7 +6630,7 @@
         </p:nvSpPr>
         <p:spPr>
           <a:xfrm>
-            <a:off x="5153025" y="1816640"/>
+            <a:off x="5153025" y="1036463"/>
             <a:ext cx="1908372" cy="1852054"/>
           </a:xfrm>
           <a:prstGeom prst="ellipse">
@@ -6828,8 +6676,8 @@
         </p:nvSpPr>
         <p:spPr>
           <a:xfrm>
-            <a:off x="994096" y="3040573"/>
-            <a:ext cx="3456363" cy="923330"/>
+            <a:off x="1112016" y="2261271"/>
+            <a:ext cx="3456363" cy="369332"/>
           </a:xfrm>
           <a:prstGeom prst="rect">
             <a:avLst/>
@@ -6843,19 +6691,9 @@
           <a:lstStyle/>
           <a:p>
             <a:r>
-              <a:rPr lang="en-US" i="1" dirty="0"/>
-              <a:t>t</a:t>
-            </a:r>
-            <a:r>
               <a:rPr lang="en-US" dirty="0"/>
-              <a:t> = thickness of specimen</a:t>
-            </a:r>
-          </a:p>
-          <a:p>
-            <a:endParaRPr lang="en-US" dirty="0"/>
-          </a:p>
-          <a:p>
-            <a:endParaRPr lang="en-US" dirty="0"/>
+              <a:t>t = thickness of specimen</a:t>
+            </a:r>
           </a:p>
         </p:txBody>
       </p:sp>
@@ -6876,7 +6714,7 @@
         </p:nvCxnSpPr>
         <p:spPr>
           <a:xfrm>
-            <a:off x="4162425" y="2742667"/>
+            <a:off x="4162425" y="1962490"/>
             <a:ext cx="990600" cy="0"/>
           </a:xfrm>
           <a:prstGeom prst="straightConnector1">
@@ -6921,7 +6759,7 @@
         </p:nvCxnSpPr>
         <p:spPr>
           <a:xfrm flipH="1">
-            <a:off x="7061397" y="2739970"/>
+            <a:off x="7061397" y="1959793"/>
             <a:ext cx="1006502" cy="2697"/>
           </a:xfrm>
           <a:prstGeom prst="straightConnector1">
@@ -6963,7 +6801,7 @@
         </p:nvSpPr>
         <p:spPr>
           <a:xfrm>
-            <a:off x="4450459" y="2352675"/>
+            <a:off x="4450459" y="1941614"/>
             <a:ext cx="235841" cy="369332"/>
           </a:xfrm>
           <a:prstGeom prst="rect">
@@ -6998,7 +6836,7 @@
         </p:nvSpPr>
         <p:spPr>
           <a:xfrm>
-            <a:off x="7488934" y="2362200"/>
+            <a:off x="7488934" y="1959528"/>
             <a:ext cx="235841" cy="369332"/>
           </a:xfrm>
           <a:prstGeom prst="rect">
@@ -7037,7 +6875,7 @@
         </p:nvCxnSpPr>
         <p:spPr>
           <a:xfrm flipH="1">
-            <a:off x="5432500" y="2087867"/>
+            <a:off x="5432500" y="1307690"/>
             <a:ext cx="1349422" cy="1309600"/>
           </a:xfrm>
           <a:prstGeom prst="straightConnector1">
@@ -7080,7 +6918,7 @@
         </p:nvSpPr>
         <p:spPr>
           <a:xfrm>
-            <a:off x="5783959" y="2495550"/>
+            <a:off x="5783959" y="1673914"/>
             <a:ext cx="235841" cy="369332"/>
           </a:xfrm>
           <a:prstGeom prst="rect">
@@ -7115,8 +6953,8 @@
         </p:nvSpPr>
         <p:spPr>
           <a:xfrm>
-            <a:off x="448887" y="4452426"/>
-            <a:ext cx="8254539" cy="1754326"/>
+            <a:off x="4627412" y="3561715"/>
+            <a:ext cx="3577022" cy="2677656"/>
           </a:xfrm>
           <a:prstGeom prst="rect">
             <a:avLst/>
@@ -7135,7 +6973,7 @@
             </a:pPr>
             <a:r>
               <a:rPr lang="en-US" dirty="0"/>
-              <a:t>Compression creates a tensile failure of the specimen</a:t>
+              <a:t>Compression creates a tensile failure of the specimen.</a:t>
             </a:r>
           </a:p>
           <a:p>
@@ -7145,7 +6983,7 @@
             </a:pPr>
             <a:r>
               <a:rPr lang="en-US" dirty="0"/>
-              <a:t>Test can be performed quasi-statically or dynamically at high strain rates</a:t>
+              <a:t>Test can be performed quasi-statically or dynamically at high strain rates.</a:t>
             </a:r>
           </a:p>
           <a:p>
@@ -7160,29 +6998,102 @@
               <a:buFont typeface="Arial" panose="020B0604020202020204" pitchFamily="34" charset="0"/>
               <a:buChar char="•"/>
             </a:pPr>
-            <a:r>
-              <a:rPr lang="en-US" dirty="0"/>
-              <a:t>ADD CONTOUR OF BRAZIL DISC</a:t>
-            </a:r>
-          </a:p>
-          <a:p>
             <a:endParaRPr lang="en-US" dirty="0"/>
           </a:p>
           <a:p>
+            <a:pPr marL="285750" indent="-285750">
+              <a:buFont typeface="Arial" panose="020B0604020202020204" pitchFamily="34" charset="0"/>
+              <a:buChar char="•"/>
+            </a:pPr>
             <a:endParaRPr lang="en-US" dirty="0"/>
+          </a:p>
+          <a:p>
+            <a:r>
+              <a:rPr lang="en-US" sz="1200" dirty="0"/>
+              <a:t>* High speed imagery of concrete Brazil Disc </a:t>
+            </a:r>
+            <a:r>
+              <a:rPr lang="en-US" sz="1200" dirty="0" err="1"/>
+              <a:t>tes</a:t>
+            </a:r>
+            <a:r>
+              <a:rPr lang="en-US" sz="1200" dirty="0"/>
+              <a:t> from X. </a:t>
+            </a:r>
+            <a:r>
+              <a:rPr lang="en-US" sz="1200" dirty="0" err="1"/>
+              <a:t>Jin</a:t>
+            </a:r>
+            <a:r>
+              <a:rPr lang="en-US" sz="1200" dirty="0"/>
+              <a:t> et al [1]</a:t>
+            </a:r>
           </a:p>
         </p:txBody>
       </p:sp>
       <p:pic>
         <p:nvPicPr>
-          <p:cNvPr id="4" name="Picture 3"/>
+          <p:cNvPr id="1026" name="Picture 2" descr="Figure 11">
+            <a:extLst>
+              <a:ext uri="{FF2B5EF4-FFF2-40B4-BE49-F238E27FC236}">
+                <a16:creationId xmlns:a16="http://schemas.microsoft.com/office/drawing/2014/main" id="{D820C9C3-EE91-4A70-85EF-D913719A72F9}"/>
+              </a:ext>
+            </a:extLst>
+          </p:cNvPr>
+          <p:cNvPicPr>
+            <a:picLocks noChangeAspect="1" noChangeArrowheads="1"/>
+          </p:cNvPicPr>
+          <p:nvPr/>
+        </p:nvPicPr>
+        <p:blipFill>
+          <a:blip r:embed="rId3">
+            <a:extLst>
+              <a:ext uri="{28A0092B-C50C-407E-A947-70E740481C1C}">
+                <a14:useLocalDpi xmlns:a14="http://schemas.microsoft.com/office/drawing/2010/main" val="0"/>
+              </a:ext>
+            </a:extLst>
+          </a:blip>
+          <a:srcRect/>
+          <a:stretch>
+            <a:fillRect/>
+          </a:stretch>
+        </p:blipFill>
+        <p:spPr bwMode="auto">
+          <a:xfrm>
+            <a:off x="99732" y="3269719"/>
+            <a:ext cx="4254154" cy="3096078"/>
+          </a:xfrm>
+          <a:prstGeom prst="rect">
+            <a:avLst/>
+          </a:prstGeom>
+          <a:noFill/>
+          <a:extLst>
+            <a:ext uri="{909E8E84-426E-40DD-AFC4-6F175D3DCCD1}">
+              <a14:hiddenFill xmlns:a14="http://schemas.microsoft.com/office/drawing/2010/main">
+                <a:solidFill>
+                  <a:srgbClr val="FFFFFF"/>
+                </a:solidFill>
+              </a14:hiddenFill>
+            </a:ext>
+          </a:extLst>
+        </p:spPr>
+      </p:pic>
+      <p:pic>
+        <p:nvPicPr>
+          <p:cNvPr id="26" name="Picture 25">
+            <a:extLst>
+              <a:ext uri="{FF2B5EF4-FFF2-40B4-BE49-F238E27FC236}">
+                <a16:creationId xmlns:a16="http://schemas.microsoft.com/office/drawing/2014/main" id="{D97C3924-9958-4141-9ABF-9C2F4F2F6020}"/>
+              </a:ext>
+            </a:extLst>
+          </p:cNvPr>
           <p:cNvPicPr>
             <a:picLocks noChangeAspect="1"/>
           </p:cNvPicPr>
           <p:nvPr/>
         </p:nvPicPr>
         <p:blipFill>
-          <a:blip r:embed="rId3">
+          <a:blip r:embed="rId4">
             <a:extLst>
               <a:ext uri="{28A0092B-C50C-407E-A947-70E740481C1C}">
                 <a14:useLocalDpi xmlns:a14="http://schemas.microsoft.com/office/drawing/2010/main" val="0"/>
@@ -7195,7 +7106,7 @@
         </p:blipFill>
         <p:spPr>
           <a:xfrm>
-            <a:off x="1509370" y="2273441"/>
+            <a:off x="1741280" y="1445179"/>
             <a:ext cx="1259468" cy="767131"/>
           </a:xfrm>
           <a:prstGeom prst="rect">
@@ -7206,7 +7117,7 @@
     </p:spTree>
     <p:extLst>
       <p:ext uri="{BB962C8B-B14F-4D97-AF65-F5344CB8AC3E}">
-        <p14:creationId xmlns:p14="http://schemas.microsoft.com/office/powerpoint/2010/main" val="1574664014"/>
+        <p14:creationId xmlns:p14="http://schemas.microsoft.com/office/powerpoint/2010/main" val="3837061498"/>
       </p:ext>
     </p:extLst>
   </p:cSld>
@@ -7614,6 +7525,11 @@
               <a:rPr lang="en-US" dirty="0"/>
               <a:t>In 1914, Hopkinson introduced a technique for measuring dynamic material strength</a:t>
             </a:r>
+            <a:r>
+              <a:rPr lang="en-US" sz="1400" dirty="0"/>
+              <a:t> ]4]</a:t>
+            </a:r>
+            <a:endParaRPr lang="en-US" dirty="0"/>
           </a:p>
           <a:p>
             <a:pPr marL="1200150" lvl="2" indent="-285750">
@@ -7642,8 +7558,13 @@
             </a:pPr>
             <a:r>
               <a:rPr lang="en-US" dirty="0"/>
-              <a:t>In 1948, Davies did a critical review of this experimental technique</a:t>
-            </a:r>
+              <a:t>In 1948, Davies did a critical review of this experimental technique </a:t>
+            </a:r>
+            <a:r>
+              <a:rPr lang="en-US" sz="1400" dirty="0"/>
+              <a:t>[5]</a:t>
+            </a:r>
+            <a:endParaRPr lang="en-US" dirty="0"/>
           </a:p>
           <a:p>
             <a:pPr marL="1200150" lvl="2" indent="-285750">
@@ -7764,10 +7685,9 @@
           <a:lstStyle/>
           <a:p>
             <a:r>
-              <a:rPr lang="en-US" sz="1400" dirty="0" smtClean="0"/>
+              <a:rPr lang="en-US" sz="1400" dirty="0"/>
               <a:t>[3]</a:t>
             </a:r>
-            <a:endParaRPr lang="en-US" sz="1400" dirty="0"/>
           </a:p>
         </p:txBody>
       </p:sp>
@@ -7794,10 +7714,9 @@
           <a:lstStyle/>
           <a:p>
             <a:r>
-              <a:rPr lang="en-US" sz="1400" dirty="0" smtClean="0"/>
+              <a:rPr lang="en-US" sz="1400" dirty="0"/>
               <a:t>[3]</a:t>
             </a:r>
-            <a:endParaRPr lang="en-US" sz="1400" dirty="0"/>
           </a:p>
         </p:txBody>
       </p:sp>
@@ -8380,7 +8299,7 @@
         </p:blipFill>
         <p:spPr>
           <a:xfrm>
-            <a:off x="1487598" y="5157107"/>
+            <a:off x="1487598" y="5435403"/>
             <a:ext cx="6168803" cy="792586"/>
           </a:xfrm>
           <a:prstGeom prst="rect">
@@ -8669,10 +8588,9 @@
               <a:t>Pulse shaped signal should mimic material response of specimen </a:t>
             </a:r>
             <a:r>
-              <a:rPr lang="en-US" sz="1400" dirty="0" smtClean="0"/>
+              <a:rPr lang="en-US" sz="1400" dirty="0"/>
               <a:t>[6]</a:t>
             </a:r>
-            <a:endParaRPr lang="en-US" sz="1400" dirty="0"/>
           </a:p>
           <a:p>
             <a:pPr marL="1200150" lvl="2" indent="-285750">
@@ -8880,10 +8798,9 @@
               <a:t>Utilize non-linear curve fitting and Fourier series to correct for dispersion </a:t>
             </a:r>
             <a:r>
-              <a:rPr lang="en-US" sz="1400" dirty="0" smtClean="0"/>
+              <a:rPr lang="en-US" sz="1400" dirty="0"/>
               <a:t>[7]</a:t>
             </a:r>
-            <a:endParaRPr lang="en-US" sz="1400" dirty="0"/>
           </a:p>
           <a:p>
             <a:pPr lvl="2"/>
@@ -8917,10 +8834,9 @@
           <a:lstStyle/>
           <a:p>
             <a:r>
-              <a:rPr lang="en-US" sz="1400" dirty="0" smtClean="0"/>
+              <a:rPr lang="en-US" sz="1400" dirty="0"/>
               <a:t>[3]</a:t>
             </a:r>
-            <a:endParaRPr lang="en-US" sz="1400" dirty="0"/>
           </a:p>
         </p:txBody>
       </p:sp>
@@ -9244,13 +9160,8 @@
             </a:pPr>
             <a:r>
               <a:rPr lang="en-US" dirty="0"/>
-              <a:t>Force equilibrium can then be determined by converting voltages to strain</a:t>
-            </a:r>
-            <a:r>
-              <a:rPr lang="en-US" dirty="0" smtClean="0"/>
-              <a:t>.</a:t>
-            </a:r>
-            <a:endParaRPr lang="en-US" dirty="0"/>
+              <a:t>Force equilibrium can then be determined by converting voltages to strain.</a:t>
+            </a:r>
           </a:p>
         </p:txBody>
       </p:sp>
@@ -10143,7 +10054,7 @@
         </p:nvSpPr>
         <p:spPr>
           <a:xfrm>
-            <a:off x="8741180" y="-6"/>
+            <a:off x="8833944" y="-6"/>
             <a:ext cx="301686" cy="369332"/>
           </a:xfrm>
           <a:prstGeom prst="rect">
@@ -10309,8 +10220,8 @@
         </p:nvSpPr>
         <p:spPr>
           <a:xfrm>
-            <a:off x="448887" y="1354975"/>
-            <a:ext cx="8254539" cy="646331"/>
+            <a:off x="448887" y="1096468"/>
+            <a:ext cx="8254539" cy="1754326"/>
           </a:xfrm>
           <a:prstGeom prst="rect">
             <a:avLst/>
@@ -10331,28 +10242,30 @@
           <a:p>
             <a:r>
               <a:rPr lang="en-US" dirty="0"/>
-              <a:t>Mean: 15.77 </a:t>
-            </a:r>
-            <a:r>
-              <a:rPr lang="en-US" dirty="0" err="1"/>
-              <a:t>MPa</a:t>
-            </a:r>
+              <a:t>Mean: 15.77 MPa;                Median: 15.18 MPa                  Standard Deviation: 3.60 MPa</a:t>
+            </a:r>
+          </a:p>
+          <a:p>
+            <a:endParaRPr lang="en-US" dirty="0"/>
+          </a:p>
+          <a:p>
             <a:r>
               <a:rPr lang="en-US" dirty="0"/>
-              <a:t>;                Median: 15.18 </a:t>
-            </a:r>
-            <a:r>
-              <a:rPr lang="en-US" dirty="0" err="1"/>
-              <a:t>MPa</a:t>
-            </a:r>
+              <a:t>Quasi-Static Tensile Strength:</a:t>
+            </a:r>
+            <a:endParaRPr lang="en-US" sz="1400" dirty="0"/>
+          </a:p>
+          <a:p>
             <a:r>
               <a:rPr lang="en-US" dirty="0"/>
-              <a:t>                  Standard Deviation: 3.60 </a:t>
-            </a:r>
-            <a:r>
-              <a:rPr lang="en-US" dirty="0" err="1"/>
-              <a:t>MPa</a:t>
-            </a:r>
+              <a:t>2.2-4.4 MPa </a:t>
+            </a:r>
+            <a:r>
+              <a:rPr lang="en-US" sz="1400" dirty="0"/>
+              <a:t>[8]</a:t>
+            </a:r>
+          </a:p>
+          <a:p>
             <a:endParaRPr lang="en-US" dirty="0"/>
           </a:p>
         </p:txBody>
@@ -10513,8 +10426,8 @@
         </p:nvSpPr>
         <p:spPr>
           <a:xfrm>
-            <a:off x="448887" y="2610050"/>
-            <a:ext cx="2752725" cy="646331"/>
+            <a:off x="448887" y="2841584"/>
+            <a:ext cx="2752725" cy="923330"/>
           </a:xfrm>
           <a:prstGeom prst="rect">
             <a:avLst/>
@@ -10529,10 +10442,22 @@
           <a:p>
             <a:r>
               <a:rPr lang="en-US" dirty="0"/>
-              <a:t>Weibull Analysis:</a:t>
-            </a:r>
-          </a:p>
-          <a:p>
+              <a:t>Weibull Analysis </a:t>
+            </a:r>
+            <a:r>
+              <a:rPr lang="en-US" sz="1400" dirty="0"/>
+              <a:t>[9]</a:t>
+            </a:r>
+            <a:r>
+              <a:rPr lang="en-US" dirty="0"/>
+              <a:t>:</a:t>
+            </a:r>
+          </a:p>
+          <a:p>
+            <a:endParaRPr lang="en-US" dirty="0"/>
+          </a:p>
+          <a:p>
+            <a:pPr/>
             <a:endParaRPr lang="en-US" dirty="0"/>
           </a:p>
         </p:txBody>
@@ -10551,7 +10476,7 @@
         </p:nvSpPr>
         <p:spPr>
           <a:xfrm>
-            <a:off x="852420" y="3857625"/>
+            <a:off x="801116" y="3986459"/>
             <a:ext cx="2266950" cy="2031325"/>
           </a:xfrm>
           <a:prstGeom prst="rect">
@@ -10622,7 +10547,13 @@
       </p:sp>
       <p:pic>
         <p:nvPicPr>
-          <p:cNvPr id="3" name="Picture 2"/>
+          <p:cNvPr id="15" name="Picture 14">
+            <a:extLst>
+              <a:ext uri="{FF2B5EF4-FFF2-40B4-BE49-F238E27FC236}">
+                <a16:creationId xmlns:a16="http://schemas.microsoft.com/office/drawing/2014/main" id="{57819390-65B7-4F76-B24C-B4EAB88394DC}"/>
+              </a:ext>
+            </a:extLst>
+          </p:cNvPr>
           <p:cNvPicPr>
             <a:picLocks noChangeAspect="1"/>
           </p:cNvPicPr>
@@ -10641,7 +10572,7 @@
         </p:blipFill>
         <p:spPr>
           <a:xfrm>
-            <a:off x="506282" y="3054110"/>
+            <a:off x="748978" y="3241314"/>
             <a:ext cx="2371225" cy="745145"/>
           </a:xfrm>
           <a:prstGeom prst="rect">
@@ -10652,7 +10583,7 @@
     </p:spTree>
     <p:extLst>
       <p:ext uri="{BB962C8B-B14F-4D97-AF65-F5344CB8AC3E}">
-        <p14:creationId xmlns:p14="http://schemas.microsoft.com/office/powerpoint/2010/main" val="3799740572"/>
+        <p14:creationId xmlns:p14="http://schemas.microsoft.com/office/powerpoint/2010/main" val="3192477327"/>
       </p:ext>
     </p:extLst>
   </p:cSld>
